--- a/docs/Responsive/RProduct Listing.pptx
+++ b/docs/Responsive/RProduct Listing.pptx
@@ -3113,11 +3113,7 @@
           <a:p>
             <a:r>
               <a:rPr lang="en-US" dirty="0" smtClean="0"/>
-              <a:t>Product Listing </a:t>
-            </a:r>
-            <a:r>
-              <a:rPr lang="en-US" dirty="0" smtClean="0"/>
-              <a:t>Responsive Pages</a:t>
+              <a:t>Product Listing Responsive Pages</a:t>
             </a:r>
             <a:endParaRPr lang="en-US" dirty="0"/>
           </a:p>
@@ -3205,7 +3201,7 @@
       </p:sp>
       <p:pic>
         <p:nvPicPr>
-          <p:cNvPr id="2050" name="Picture 2"/>
+          <p:cNvPr id="1026" name="Picture 2"/>
           <p:cNvPicPr>
             <a:picLocks noChangeAspect="1" noChangeArrowheads="1"/>
           </p:cNvPicPr>
@@ -3219,13 +3215,13 @@
               </a:ext>
             </a:extLst>
           </a:blip>
-          <a:srcRect r="1112" b="32084"/>
+          <a:srcRect l="24051" r="3030" b="32454"/>
           <a:stretch/>
         </p:blipFill>
         <p:spPr bwMode="auto">
           <a:xfrm>
-            <a:off x="381000" y="1447800"/>
-            <a:ext cx="8305800" cy="5084618"/>
+            <a:off x="914400" y="1371600"/>
+            <a:ext cx="7897090" cy="5056909"/>
           </a:xfrm>
           <a:prstGeom prst="rect">
             <a:avLst/>
